--- a/017_01_LinearSearch_C.pptx
+++ b/017_01_LinearSearch_C.pptx
@@ -4164,7 +4164,7 @@
                   <a:srgbClr val="FFFF00"/>
                 </a:solidFill>
               </a:rPr>
-              <a:t>016_01.1 Linear Search: C Code</a:t>
+              <a:t>017_01.1 Linear Search: C Code</a:t>
             </a:r>
             <a:endParaRPr lang="zh-TW" altLang="en-US" sz="4000" b="1" dirty="0">
               <a:solidFill>
@@ -4354,7 +4354,7 @@
                   <a:srgbClr val="FFFF00"/>
                 </a:solidFill>
               </a:rPr>
-              <a:t>016_01.1 Linear Search: C Code</a:t>
+              <a:t>017_01.1 Linear Search: C Code</a:t>
             </a:r>
             <a:endParaRPr lang="zh-TW" altLang="en-US" sz="4000" b="1" dirty="0">
               <a:solidFill>
@@ -4950,7 +4950,7 @@
                   <a:srgbClr val="FFFF00"/>
                 </a:solidFill>
               </a:rPr>
-              <a:t>016_01.2 Linear Search in C</a:t>
+              <a:t>017_01.2 Linear Search in C</a:t>
             </a:r>
             <a:endParaRPr lang="zh-TW" altLang="en-US" sz="4000" b="1" dirty="0">
               <a:solidFill>
@@ -5140,7 +5140,7 @@
                   <a:srgbClr val="FFFF00"/>
                 </a:solidFill>
               </a:rPr>
-              <a:t>016_01.2 Linear Search in C</a:t>
+              <a:t>017_01.2 Linear Search in C</a:t>
             </a:r>
             <a:endParaRPr lang="zh-TW" altLang="en-US" sz="4000" b="1" dirty="0">
               <a:solidFill>
@@ -5457,7 +5457,7 @@
                   <a:srgbClr val="FFFF00"/>
                 </a:solidFill>
               </a:rPr>
-              <a:t>016_01.2 Linear Search in C</a:t>
+              <a:t>017_01.2 Linear Search in C</a:t>
             </a:r>
             <a:endParaRPr lang="zh-TW" altLang="en-US" sz="4000" b="1" dirty="0">
               <a:solidFill>
@@ -5774,7 +5774,7 @@
                   <a:srgbClr val="FFFF00"/>
                 </a:solidFill>
               </a:rPr>
-              <a:t>016_01.2 Linear Search in C</a:t>
+              <a:t>017_01.2 Linear Search in C</a:t>
             </a:r>
             <a:endParaRPr lang="zh-TW" altLang="en-US" sz="4000" b="1" dirty="0">
               <a:solidFill>
@@ -6091,7 +6091,7 @@
                   <a:srgbClr val="FFFF00"/>
                 </a:solidFill>
               </a:rPr>
-              <a:t>016_01.2 Linear Search in C</a:t>
+              <a:t>017_01.2 Linear Search in C</a:t>
             </a:r>
             <a:endParaRPr lang="zh-TW" altLang="en-US" sz="4000" b="1" dirty="0">
               <a:solidFill>
